--- a/OS/sp19/lectures/OSsp19_lec5_IPC.pptx
+++ b/OS/sp19/lectures/OSsp19_lec5_IPC.pptx
@@ -774,15 +774,15 @@
             <a:tailEnd/>
           </a:ln>
           <a:extLst>
+            <a:ext uri="{FAA26D3D-D897-4be2-8F04-BA451C77F1D7}">
+              <ma14:placeholderFlag xmlns:ma14="http://schemas.microsoft.com/office/mac/drawingml/2011/main" val="1"/>
+            </a:ext>
             <a:ext uri="{909E8E84-426E-40dd-AFC4-6F175D3DCCD1}">
-              <a14:hiddenFill xmlns:a14="http://schemas.microsoft.com/office/drawing/2010/main" xmlns="">
+              <a14:hiddenFill xmlns="" xmlns:a14="http://schemas.microsoft.com/office/drawing/2010/main">
                 <a:solidFill>
                   <a:srgbClr val="FFFFFF"/>
                 </a:solidFill>
               </a14:hiddenFill>
-            </a:ext>
-            <a:ext uri="{FAA26D3D-D897-4be2-8F04-BA451C77F1D7}">
-              <ma14:placeholderFlag xmlns:ma14="http://schemas.microsoft.com/office/mac/drawingml/2011/main" xmlns="" val="1"/>
             </a:ext>
           </a:extLst>
         </p:spPr>
@@ -1122,14 +1122,14 @@
           <a:ln/>
           <a:extLst>
             <a:ext uri="{909E8E84-426E-40dd-AFC4-6F175D3DCCD1}">
-              <a14:hiddenFill xmlns:a14="http://schemas.microsoft.com/office/drawing/2010/main" xmlns="">
+              <a14:hiddenFill xmlns="" xmlns:a14="http://schemas.microsoft.com/office/drawing/2010/main">
                 <a:solidFill>
                   <a:srgbClr val="FFFFFF"/>
                 </a:solidFill>
               </a14:hiddenFill>
             </a:ext>
             <a:ext uri="{91240B29-F687-4f45-9708-019B960494DF}">
-              <a14:hiddenLine xmlns:a14="http://schemas.microsoft.com/office/drawing/2010/main" xmlns="" w="9525">
+              <a14:hiddenLine xmlns="" xmlns:a14="http://schemas.microsoft.com/office/drawing/2010/main" w="9525">
                 <a:solidFill>
                   <a:srgbClr val="000000"/>
                 </a:solidFill>
@@ -1296,15 +1296,18 @@
           <a:noFill/>
           <a:ln/>
           <a:extLst>
+            <a:ext uri="{FAA26D3D-D897-4be2-8F04-BA451C77F1D7}">
+              <ma14:placeholderFlag xmlns:ma14="http://schemas.microsoft.com/office/mac/drawingml/2011/main" val="1"/>
+            </a:ext>
             <a:ext uri="{909E8E84-426E-40dd-AFC4-6F175D3DCCD1}">
-              <a14:hiddenFill xmlns:a14="http://schemas.microsoft.com/office/drawing/2010/main" xmlns="">
+              <a14:hiddenFill xmlns="" xmlns:a14="http://schemas.microsoft.com/office/drawing/2010/main">
                 <a:solidFill>
                   <a:srgbClr val="FFFFFF"/>
                 </a:solidFill>
               </a14:hiddenFill>
             </a:ext>
             <a:ext uri="{91240B29-F687-4f45-9708-019B960494DF}">
-              <a14:hiddenLine xmlns:a14="http://schemas.microsoft.com/office/drawing/2010/main" xmlns="" w="9525">
+              <a14:hiddenLine xmlns="" xmlns:a14="http://schemas.microsoft.com/office/drawing/2010/main" w="9525">
                 <a:solidFill>
                   <a:srgbClr val="000000"/>
                 </a:solidFill>
@@ -1313,9 +1316,6 @@
                 <a:tailEnd/>
               </a14:hiddenLine>
             </a:ext>
-            <a:ext uri="{FAA26D3D-D897-4be2-8F04-BA451C77F1D7}">
-              <ma14:placeholderFlag xmlns:ma14="http://schemas.microsoft.com/office/mac/drawingml/2011/main" xmlns="" val="1"/>
-            </a:ext>
           </a:extLst>
         </p:spPr>
         <p:txBody>
@@ -1328,6 +1328,11 @@
         </p:txBody>
       </p:sp>
     </p:spTree>
+    <p:extLst>
+      <p:ext uri="{BB962C8B-B14F-4D97-AF65-F5344CB8AC3E}">
+        <p14:creationId xmlns:p14="http://schemas.microsoft.com/office/powerpoint/2010/main" val="1027809866"/>
+      </p:ext>
+    </p:extLst>
   </p:cSld>
   <p:clrMapOvr>
     <a:masterClrMapping/>
@@ -1380,15 +1385,18 @@
           <a:noFill/>
           <a:ln/>
           <a:extLst>
+            <a:ext uri="{FAA26D3D-D897-4be2-8F04-BA451C77F1D7}">
+              <ma14:placeholderFlag xmlns:ma14="http://schemas.microsoft.com/office/mac/drawingml/2011/main" val="1"/>
+            </a:ext>
             <a:ext uri="{909E8E84-426E-40dd-AFC4-6F175D3DCCD1}">
-              <a14:hiddenFill xmlns:a14="http://schemas.microsoft.com/office/drawing/2010/main" xmlns="">
+              <a14:hiddenFill xmlns="" xmlns:a14="http://schemas.microsoft.com/office/drawing/2010/main">
                 <a:solidFill>
                   <a:srgbClr val="FFFFFF"/>
                 </a:solidFill>
               </a14:hiddenFill>
             </a:ext>
             <a:ext uri="{91240B29-F687-4f45-9708-019B960494DF}">
-              <a14:hiddenLine xmlns:a14="http://schemas.microsoft.com/office/drawing/2010/main" xmlns="" w="9525">
+              <a14:hiddenLine xmlns="" xmlns:a14="http://schemas.microsoft.com/office/drawing/2010/main" w="9525">
                 <a:solidFill>
                   <a:srgbClr val="000000"/>
                 </a:solidFill>
@@ -1397,9 +1405,6 @@
                 <a:tailEnd/>
               </a14:hiddenLine>
             </a:ext>
-            <a:ext uri="{FAA26D3D-D897-4be2-8F04-BA451C77F1D7}">
-              <ma14:placeholderFlag xmlns:ma14="http://schemas.microsoft.com/office/mac/drawingml/2011/main" xmlns="" val="1"/>
-            </a:ext>
           </a:extLst>
         </p:spPr>
         <p:txBody>
@@ -1413,6 +1418,11 @@
         </p:txBody>
       </p:sp>
     </p:spTree>
+    <p:extLst>
+      <p:ext uri="{BB962C8B-B14F-4D97-AF65-F5344CB8AC3E}">
+        <p14:creationId xmlns:p14="http://schemas.microsoft.com/office/powerpoint/2010/main" val="1840844409"/>
+      </p:ext>
+    </p:extLst>
   </p:cSld>
   <p:clrMapOvr>
     <a:masterClrMapping/>
@@ -1465,15 +1475,18 @@
           <a:noFill/>
           <a:ln/>
           <a:extLst>
+            <a:ext uri="{FAA26D3D-D897-4be2-8F04-BA451C77F1D7}">
+              <ma14:placeholderFlag xmlns:ma14="http://schemas.microsoft.com/office/mac/drawingml/2011/main" val="1"/>
+            </a:ext>
             <a:ext uri="{909E8E84-426E-40dd-AFC4-6F175D3DCCD1}">
-              <a14:hiddenFill xmlns:a14="http://schemas.microsoft.com/office/drawing/2010/main" xmlns="">
+              <a14:hiddenFill xmlns="" xmlns:a14="http://schemas.microsoft.com/office/drawing/2010/main">
                 <a:solidFill>
                   <a:srgbClr val="FFFFFF"/>
                 </a:solidFill>
               </a14:hiddenFill>
             </a:ext>
             <a:ext uri="{91240B29-F687-4f45-9708-019B960494DF}">
-              <a14:hiddenLine xmlns:a14="http://schemas.microsoft.com/office/drawing/2010/main" xmlns="" w="9525">
+              <a14:hiddenLine xmlns="" xmlns:a14="http://schemas.microsoft.com/office/drawing/2010/main" w="9525">
                 <a:solidFill>
                   <a:srgbClr val="000000"/>
                 </a:solidFill>
@@ -1482,9 +1495,6 @@
                 <a:tailEnd/>
               </a14:hiddenLine>
             </a:ext>
-            <a:ext uri="{FAA26D3D-D897-4be2-8F04-BA451C77F1D7}">
-              <ma14:placeholderFlag xmlns:ma14="http://schemas.microsoft.com/office/mac/drawingml/2011/main" xmlns="" val="1"/>
-            </a:ext>
           </a:extLst>
         </p:spPr>
         <p:txBody>
@@ -1498,6 +1508,11 @@
         </p:txBody>
       </p:sp>
     </p:spTree>
+    <p:extLst>
+      <p:ext uri="{BB962C8B-B14F-4D97-AF65-F5344CB8AC3E}">
+        <p14:creationId xmlns:p14="http://schemas.microsoft.com/office/powerpoint/2010/main" val="275079734"/>
+      </p:ext>
+    </p:extLst>
   </p:cSld>
   <p:clrMapOvr>
     <a:masterClrMapping/>
@@ -1550,15 +1565,18 @@
           <a:noFill/>
           <a:ln/>
           <a:extLst>
+            <a:ext uri="{FAA26D3D-D897-4be2-8F04-BA451C77F1D7}">
+              <ma14:placeholderFlag xmlns:ma14="http://schemas.microsoft.com/office/mac/drawingml/2011/main" val="1"/>
+            </a:ext>
             <a:ext uri="{909E8E84-426E-40dd-AFC4-6F175D3DCCD1}">
-              <a14:hiddenFill xmlns:a14="http://schemas.microsoft.com/office/drawing/2010/main" xmlns="">
+              <a14:hiddenFill xmlns="" xmlns:a14="http://schemas.microsoft.com/office/drawing/2010/main">
                 <a:solidFill>
                   <a:srgbClr val="FFFFFF"/>
                 </a:solidFill>
               </a14:hiddenFill>
             </a:ext>
             <a:ext uri="{91240B29-F687-4f45-9708-019B960494DF}">
-              <a14:hiddenLine xmlns:a14="http://schemas.microsoft.com/office/drawing/2010/main" xmlns="" w="9525">
+              <a14:hiddenLine xmlns="" xmlns:a14="http://schemas.microsoft.com/office/drawing/2010/main" w="9525">
                 <a:solidFill>
                   <a:srgbClr val="000000"/>
                 </a:solidFill>
@@ -1567,9 +1585,6 @@
                 <a:tailEnd/>
               </a14:hiddenLine>
             </a:ext>
-            <a:ext uri="{FAA26D3D-D897-4be2-8F04-BA451C77F1D7}">
-              <ma14:placeholderFlag xmlns:ma14="http://schemas.microsoft.com/office/mac/drawingml/2011/main" xmlns="" val="1"/>
-            </a:ext>
           </a:extLst>
         </p:spPr>
         <p:txBody>
@@ -1583,6 +1598,11 @@
         </p:txBody>
       </p:sp>
     </p:spTree>
+    <p:extLst>
+      <p:ext uri="{BB962C8B-B14F-4D97-AF65-F5344CB8AC3E}">
+        <p14:creationId xmlns:p14="http://schemas.microsoft.com/office/powerpoint/2010/main" val="1880280994"/>
+      </p:ext>
+    </p:extLst>
   </p:cSld>
   <p:clrMapOvr>
     <a:masterClrMapping/>
@@ -1635,15 +1655,18 @@
           <a:noFill/>
           <a:ln/>
           <a:extLst>
+            <a:ext uri="{FAA26D3D-D897-4be2-8F04-BA451C77F1D7}">
+              <ma14:placeholderFlag xmlns:ma14="http://schemas.microsoft.com/office/mac/drawingml/2011/main" val="1"/>
+            </a:ext>
             <a:ext uri="{909E8E84-426E-40dd-AFC4-6F175D3DCCD1}">
-              <a14:hiddenFill xmlns:a14="http://schemas.microsoft.com/office/drawing/2010/main" xmlns="">
+              <a14:hiddenFill xmlns="" xmlns:a14="http://schemas.microsoft.com/office/drawing/2010/main">
                 <a:solidFill>
                   <a:srgbClr val="FFFFFF"/>
                 </a:solidFill>
               </a14:hiddenFill>
             </a:ext>
             <a:ext uri="{91240B29-F687-4f45-9708-019B960494DF}">
-              <a14:hiddenLine xmlns:a14="http://schemas.microsoft.com/office/drawing/2010/main" xmlns="" w="9525">
+              <a14:hiddenLine xmlns="" xmlns:a14="http://schemas.microsoft.com/office/drawing/2010/main" w="9525">
                 <a:solidFill>
                   <a:srgbClr val="000000"/>
                 </a:solidFill>
@@ -1652,9 +1675,6 @@
                 <a:tailEnd/>
               </a14:hiddenLine>
             </a:ext>
-            <a:ext uri="{FAA26D3D-D897-4be2-8F04-BA451C77F1D7}">
-              <ma14:placeholderFlag xmlns:ma14="http://schemas.microsoft.com/office/mac/drawingml/2011/main" xmlns="" val="1"/>
-            </a:ext>
           </a:extLst>
         </p:spPr>
         <p:txBody>
@@ -1668,6 +1688,11 @@
         </p:txBody>
       </p:sp>
     </p:spTree>
+    <p:extLst>
+      <p:ext uri="{BB962C8B-B14F-4D97-AF65-F5344CB8AC3E}">
+        <p14:creationId xmlns:p14="http://schemas.microsoft.com/office/powerpoint/2010/main" val="1660800553"/>
+      </p:ext>
+    </p:extLst>
   </p:cSld>
   <p:clrMapOvr>
     <a:masterClrMapping/>
@@ -1720,15 +1745,18 @@
           <a:noFill/>
           <a:ln/>
           <a:extLst>
+            <a:ext uri="{FAA26D3D-D897-4be2-8F04-BA451C77F1D7}">
+              <ma14:placeholderFlag xmlns:ma14="http://schemas.microsoft.com/office/mac/drawingml/2011/main" val="1"/>
+            </a:ext>
             <a:ext uri="{909E8E84-426E-40dd-AFC4-6F175D3DCCD1}">
-              <a14:hiddenFill xmlns:a14="http://schemas.microsoft.com/office/drawing/2010/main" xmlns="">
+              <a14:hiddenFill xmlns="" xmlns:a14="http://schemas.microsoft.com/office/drawing/2010/main">
                 <a:solidFill>
                   <a:srgbClr val="FFFFFF"/>
                 </a:solidFill>
               </a14:hiddenFill>
             </a:ext>
             <a:ext uri="{91240B29-F687-4f45-9708-019B960494DF}">
-              <a14:hiddenLine xmlns:a14="http://schemas.microsoft.com/office/drawing/2010/main" xmlns="" w="9525">
+              <a14:hiddenLine xmlns="" xmlns:a14="http://schemas.microsoft.com/office/drawing/2010/main" w="9525">
                 <a:solidFill>
                   <a:srgbClr val="000000"/>
                 </a:solidFill>
@@ -1737,9 +1765,6 @@
                 <a:tailEnd/>
               </a14:hiddenLine>
             </a:ext>
-            <a:ext uri="{FAA26D3D-D897-4be2-8F04-BA451C77F1D7}">
-              <ma14:placeholderFlag xmlns:ma14="http://schemas.microsoft.com/office/mac/drawingml/2011/main" xmlns="" val="1"/>
-            </a:ext>
           </a:extLst>
         </p:spPr>
         <p:txBody>
@@ -1753,6 +1778,11 @@
         </p:txBody>
       </p:sp>
     </p:spTree>
+    <p:extLst>
+      <p:ext uri="{BB962C8B-B14F-4D97-AF65-F5344CB8AC3E}">
+        <p14:creationId xmlns:p14="http://schemas.microsoft.com/office/powerpoint/2010/main" val="82450565"/>
+      </p:ext>
+    </p:extLst>
   </p:cSld>
   <p:clrMapOvr>
     <a:masterClrMapping/>
@@ -1805,15 +1835,18 @@
           <a:noFill/>
           <a:ln/>
           <a:extLst>
+            <a:ext uri="{FAA26D3D-D897-4be2-8F04-BA451C77F1D7}">
+              <ma14:placeholderFlag xmlns:ma14="http://schemas.microsoft.com/office/mac/drawingml/2011/main" val="1"/>
+            </a:ext>
             <a:ext uri="{909E8E84-426E-40dd-AFC4-6F175D3DCCD1}">
-              <a14:hiddenFill xmlns:a14="http://schemas.microsoft.com/office/drawing/2010/main" xmlns="">
+              <a14:hiddenFill xmlns="" xmlns:a14="http://schemas.microsoft.com/office/drawing/2010/main">
                 <a:solidFill>
                   <a:srgbClr val="FFFFFF"/>
                 </a:solidFill>
               </a14:hiddenFill>
             </a:ext>
             <a:ext uri="{91240B29-F687-4f45-9708-019B960494DF}">
-              <a14:hiddenLine xmlns:a14="http://schemas.microsoft.com/office/drawing/2010/main" xmlns="" w="9525">
+              <a14:hiddenLine xmlns="" xmlns:a14="http://schemas.microsoft.com/office/drawing/2010/main" w="9525">
                 <a:solidFill>
                   <a:srgbClr val="000000"/>
                 </a:solidFill>
@@ -1822,9 +1855,6 @@
                 <a:tailEnd/>
               </a14:hiddenLine>
             </a:ext>
-            <a:ext uri="{FAA26D3D-D897-4be2-8F04-BA451C77F1D7}">
-              <ma14:placeholderFlag xmlns:ma14="http://schemas.microsoft.com/office/mac/drawingml/2011/main" xmlns="" val="1"/>
-            </a:ext>
           </a:extLst>
         </p:spPr>
         <p:txBody>
@@ -1838,6 +1868,11 @@
         </p:txBody>
       </p:sp>
     </p:spTree>
+    <p:extLst>
+      <p:ext uri="{BB962C8B-B14F-4D97-AF65-F5344CB8AC3E}">
+        <p14:creationId xmlns:p14="http://schemas.microsoft.com/office/powerpoint/2010/main" val="619693640"/>
+      </p:ext>
+    </p:extLst>
   </p:cSld>
   <p:clrMapOvr>
     <a:masterClrMapping/>
@@ -1890,15 +1925,18 @@
           <a:noFill/>
           <a:ln/>
           <a:extLst>
+            <a:ext uri="{FAA26D3D-D897-4be2-8F04-BA451C77F1D7}">
+              <ma14:placeholderFlag xmlns:ma14="http://schemas.microsoft.com/office/mac/drawingml/2011/main" val="1"/>
+            </a:ext>
             <a:ext uri="{909E8E84-426E-40dd-AFC4-6F175D3DCCD1}">
-              <a14:hiddenFill xmlns:a14="http://schemas.microsoft.com/office/drawing/2010/main" xmlns="">
+              <a14:hiddenFill xmlns="" xmlns:a14="http://schemas.microsoft.com/office/drawing/2010/main">
                 <a:solidFill>
                   <a:srgbClr val="FFFFFF"/>
                 </a:solidFill>
               </a14:hiddenFill>
             </a:ext>
             <a:ext uri="{91240B29-F687-4f45-9708-019B960494DF}">
-              <a14:hiddenLine xmlns:a14="http://schemas.microsoft.com/office/drawing/2010/main" xmlns="" w="9525">
+              <a14:hiddenLine xmlns="" xmlns:a14="http://schemas.microsoft.com/office/drawing/2010/main" w="9525">
                 <a:solidFill>
                   <a:srgbClr val="000000"/>
                 </a:solidFill>
@@ -1907,9 +1945,6 @@
                 <a:tailEnd/>
               </a14:hiddenLine>
             </a:ext>
-            <a:ext uri="{FAA26D3D-D897-4be2-8F04-BA451C77F1D7}">
-              <ma14:placeholderFlag xmlns:ma14="http://schemas.microsoft.com/office/mac/drawingml/2011/main" xmlns="" val="1"/>
-            </a:ext>
           </a:extLst>
         </p:spPr>
         <p:txBody>
@@ -1923,6 +1958,11 @@
         </p:txBody>
       </p:sp>
     </p:spTree>
+    <p:extLst>
+      <p:ext uri="{BB962C8B-B14F-4D97-AF65-F5344CB8AC3E}">
+        <p14:creationId xmlns:p14="http://schemas.microsoft.com/office/powerpoint/2010/main" val="2042803177"/>
+      </p:ext>
+    </p:extLst>
   </p:cSld>
   <p:clrMapOvr>
     <a:masterClrMapping/>
@@ -1975,15 +2015,18 @@
           <a:noFill/>
           <a:ln/>
           <a:extLst>
+            <a:ext uri="{FAA26D3D-D897-4be2-8F04-BA451C77F1D7}">
+              <ma14:placeholderFlag xmlns:ma14="http://schemas.microsoft.com/office/mac/drawingml/2011/main" val="1"/>
+            </a:ext>
             <a:ext uri="{909E8E84-426E-40dd-AFC4-6F175D3DCCD1}">
-              <a14:hiddenFill xmlns:a14="http://schemas.microsoft.com/office/drawing/2010/main" xmlns="">
+              <a14:hiddenFill xmlns="" xmlns:a14="http://schemas.microsoft.com/office/drawing/2010/main">
                 <a:solidFill>
                   <a:srgbClr val="FFFFFF"/>
                 </a:solidFill>
               </a14:hiddenFill>
             </a:ext>
             <a:ext uri="{91240B29-F687-4f45-9708-019B960494DF}">
-              <a14:hiddenLine xmlns:a14="http://schemas.microsoft.com/office/drawing/2010/main" xmlns="" w="9525">
+              <a14:hiddenLine xmlns="" xmlns:a14="http://schemas.microsoft.com/office/drawing/2010/main" w="9525">
                 <a:solidFill>
                   <a:srgbClr val="000000"/>
                 </a:solidFill>
@@ -1992,9 +2035,6 @@
                 <a:tailEnd/>
               </a14:hiddenLine>
             </a:ext>
-            <a:ext uri="{FAA26D3D-D897-4be2-8F04-BA451C77F1D7}">
-              <ma14:placeholderFlag xmlns:ma14="http://schemas.microsoft.com/office/mac/drawingml/2011/main" xmlns="" val="1"/>
-            </a:ext>
           </a:extLst>
         </p:spPr>
         <p:txBody>
@@ -2008,6 +2048,11 @@
         </p:txBody>
       </p:sp>
     </p:spTree>
+    <p:extLst>
+      <p:ext uri="{BB962C8B-B14F-4D97-AF65-F5344CB8AC3E}">
+        <p14:creationId xmlns:p14="http://schemas.microsoft.com/office/powerpoint/2010/main" val="1571931250"/>
+      </p:ext>
+    </p:extLst>
   </p:cSld>
   <p:clrMapOvr>
     <a:masterClrMapping/>
@@ -2060,15 +2105,18 @@
           <a:noFill/>
           <a:ln/>
           <a:extLst>
+            <a:ext uri="{FAA26D3D-D897-4be2-8F04-BA451C77F1D7}">
+              <ma14:placeholderFlag xmlns:ma14="http://schemas.microsoft.com/office/mac/drawingml/2011/main" val="1"/>
+            </a:ext>
             <a:ext uri="{909E8E84-426E-40dd-AFC4-6F175D3DCCD1}">
-              <a14:hiddenFill xmlns:a14="http://schemas.microsoft.com/office/drawing/2010/main" xmlns="">
+              <a14:hiddenFill xmlns="" xmlns:a14="http://schemas.microsoft.com/office/drawing/2010/main">
                 <a:solidFill>
                   <a:srgbClr val="FFFFFF"/>
                 </a:solidFill>
               </a14:hiddenFill>
             </a:ext>
             <a:ext uri="{91240B29-F687-4f45-9708-019B960494DF}">
-              <a14:hiddenLine xmlns:a14="http://schemas.microsoft.com/office/drawing/2010/main" xmlns="" w="9525">
+              <a14:hiddenLine xmlns="" xmlns:a14="http://schemas.microsoft.com/office/drawing/2010/main" w="9525">
                 <a:solidFill>
                   <a:srgbClr val="000000"/>
                 </a:solidFill>
@@ -2077,9 +2125,6 @@
                 <a:tailEnd/>
               </a14:hiddenLine>
             </a:ext>
-            <a:ext uri="{FAA26D3D-D897-4be2-8F04-BA451C77F1D7}">
-              <ma14:placeholderFlag xmlns:ma14="http://schemas.microsoft.com/office/mac/drawingml/2011/main" xmlns="" val="1"/>
-            </a:ext>
           </a:extLst>
         </p:spPr>
         <p:txBody>
@@ -2093,6 +2138,11 @@
         </p:txBody>
       </p:sp>
     </p:spTree>
+    <p:extLst>
+      <p:ext uri="{BB962C8B-B14F-4D97-AF65-F5344CB8AC3E}">
+        <p14:creationId xmlns:p14="http://schemas.microsoft.com/office/powerpoint/2010/main" val="1104693356"/>
+      </p:ext>
+    </p:extLst>
   </p:cSld>
   <p:clrMapOvr>
     <a:masterClrMapping/>
@@ -2146,17 +2196,17 @@
           <a:ln/>
           <a:extLst>
             <a:ext uri="{FAA26D3D-D897-4be2-8F04-BA451C77F1D7}">
-              <ma14:placeholderFlag xmlns:ma14="http://schemas.microsoft.com/office/mac/drawingml/2011/main" xmlns="" val="1"/>
+              <ma14:placeholderFlag xmlns:ma14="http://schemas.microsoft.com/office/mac/drawingml/2011/main" val="1"/>
             </a:ext>
             <a:ext uri="{909E8E84-426E-40dd-AFC4-6F175D3DCCD1}">
-              <a14:hiddenFill xmlns="" xmlns:a14="http://schemas.microsoft.com/office/drawing/2010/main">
+              <a14:hiddenFill xmlns:a14="http://schemas.microsoft.com/office/drawing/2010/main" xmlns="">
                 <a:solidFill>
                   <a:srgbClr val="FFFFFF"/>
                 </a:solidFill>
               </a14:hiddenFill>
             </a:ext>
             <a:ext uri="{91240B29-F687-4f45-9708-019B960494DF}">
-              <a14:hiddenLine xmlns="" xmlns:a14="http://schemas.microsoft.com/office/drawing/2010/main" w="9525">
+              <a14:hiddenLine xmlns:a14="http://schemas.microsoft.com/office/drawing/2010/main" xmlns="" w="9525">
                 <a:solidFill>
                   <a:srgbClr val="000000"/>
                 </a:solidFill>
@@ -2235,15 +2285,18 @@
           <a:noFill/>
           <a:ln/>
           <a:extLst>
+            <a:ext uri="{FAA26D3D-D897-4be2-8F04-BA451C77F1D7}">
+              <ma14:placeholderFlag xmlns:ma14="http://schemas.microsoft.com/office/mac/drawingml/2011/main" val="1"/>
+            </a:ext>
             <a:ext uri="{909E8E84-426E-40dd-AFC4-6F175D3DCCD1}">
-              <a14:hiddenFill xmlns:a14="http://schemas.microsoft.com/office/drawing/2010/main" xmlns="">
+              <a14:hiddenFill xmlns="" xmlns:a14="http://schemas.microsoft.com/office/drawing/2010/main">
                 <a:solidFill>
                   <a:srgbClr val="FFFFFF"/>
                 </a:solidFill>
               </a14:hiddenFill>
             </a:ext>
             <a:ext uri="{91240B29-F687-4f45-9708-019B960494DF}">
-              <a14:hiddenLine xmlns:a14="http://schemas.microsoft.com/office/drawing/2010/main" xmlns="" w="9525">
+              <a14:hiddenLine xmlns="" xmlns:a14="http://schemas.microsoft.com/office/drawing/2010/main" w="9525">
                 <a:solidFill>
                   <a:srgbClr val="000000"/>
                 </a:solidFill>
@@ -2252,9 +2305,6 @@
                 <a:tailEnd/>
               </a14:hiddenLine>
             </a:ext>
-            <a:ext uri="{FAA26D3D-D897-4be2-8F04-BA451C77F1D7}">
-              <ma14:placeholderFlag xmlns:ma14="http://schemas.microsoft.com/office/mac/drawingml/2011/main" xmlns="" val="1"/>
-            </a:ext>
           </a:extLst>
         </p:spPr>
         <p:txBody>
@@ -2268,6 +2318,11 @@
         </p:txBody>
       </p:sp>
     </p:spTree>
+    <p:extLst>
+      <p:ext uri="{BB962C8B-B14F-4D97-AF65-F5344CB8AC3E}">
+        <p14:creationId xmlns:p14="http://schemas.microsoft.com/office/powerpoint/2010/main" val="870512742"/>
+      </p:ext>
+    </p:extLst>
   </p:cSld>
   <p:clrMapOvr>
     <a:masterClrMapping/>
@@ -2320,15 +2375,18 @@
           <a:noFill/>
           <a:ln/>
           <a:extLst>
+            <a:ext uri="{FAA26D3D-D897-4be2-8F04-BA451C77F1D7}">
+              <ma14:placeholderFlag xmlns:ma14="http://schemas.microsoft.com/office/mac/drawingml/2011/main" val="1"/>
+            </a:ext>
             <a:ext uri="{909E8E84-426E-40dd-AFC4-6F175D3DCCD1}">
-              <a14:hiddenFill xmlns:a14="http://schemas.microsoft.com/office/drawing/2010/main" xmlns="">
+              <a14:hiddenFill xmlns="" xmlns:a14="http://schemas.microsoft.com/office/drawing/2010/main">
                 <a:solidFill>
                   <a:srgbClr val="FFFFFF"/>
                 </a:solidFill>
               </a14:hiddenFill>
             </a:ext>
             <a:ext uri="{91240B29-F687-4f45-9708-019B960494DF}">
-              <a14:hiddenLine xmlns:a14="http://schemas.microsoft.com/office/drawing/2010/main" xmlns="" w="9525">
+              <a14:hiddenLine xmlns="" xmlns:a14="http://schemas.microsoft.com/office/drawing/2010/main" w="9525">
                 <a:solidFill>
                   <a:srgbClr val="000000"/>
                 </a:solidFill>
@@ -2337,9 +2395,6 @@
                 <a:tailEnd/>
               </a14:hiddenLine>
             </a:ext>
-            <a:ext uri="{FAA26D3D-D897-4be2-8F04-BA451C77F1D7}">
-              <ma14:placeholderFlag xmlns:ma14="http://schemas.microsoft.com/office/mac/drawingml/2011/main" xmlns="" val="1"/>
-            </a:ext>
           </a:extLst>
         </p:spPr>
         <p:txBody>
@@ -2353,6 +2408,11 @@
         </p:txBody>
       </p:sp>
     </p:spTree>
+    <p:extLst>
+      <p:ext uri="{BB962C8B-B14F-4D97-AF65-F5344CB8AC3E}">
+        <p14:creationId xmlns:p14="http://schemas.microsoft.com/office/powerpoint/2010/main" val="2049051430"/>
+      </p:ext>
+    </p:extLst>
   </p:cSld>
   <p:clrMapOvr>
     <a:masterClrMapping/>
@@ -2405,15 +2465,18 @@
           <a:noFill/>
           <a:ln/>
           <a:extLst>
+            <a:ext uri="{FAA26D3D-D897-4be2-8F04-BA451C77F1D7}">
+              <ma14:placeholderFlag xmlns:ma14="http://schemas.microsoft.com/office/mac/drawingml/2011/main" val="1"/>
+            </a:ext>
             <a:ext uri="{909E8E84-426E-40dd-AFC4-6F175D3DCCD1}">
-              <a14:hiddenFill xmlns:a14="http://schemas.microsoft.com/office/drawing/2010/main" xmlns="">
+              <a14:hiddenFill xmlns="" xmlns:a14="http://schemas.microsoft.com/office/drawing/2010/main">
                 <a:solidFill>
                   <a:srgbClr val="FFFFFF"/>
                 </a:solidFill>
               </a14:hiddenFill>
             </a:ext>
             <a:ext uri="{91240B29-F687-4f45-9708-019B960494DF}">
-              <a14:hiddenLine xmlns:a14="http://schemas.microsoft.com/office/drawing/2010/main" xmlns="" w="9525">
+              <a14:hiddenLine xmlns="" xmlns:a14="http://schemas.microsoft.com/office/drawing/2010/main" w="9525">
                 <a:solidFill>
                   <a:srgbClr val="000000"/>
                 </a:solidFill>
@@ -2422,9 +2485,6 @@
                 <a:tailEnd/>
               </a14:hiddenLine>
             </a:ext>
-            <a:ext uri="{FAA26D3D-D897-4be2-8F04-BA451C77F1D7}">
-              <ma14:placeholderFlag xmlns:ma14="http://schemas.microsoft.com/office/mac/drawingml/2011/main" xmlns="" val="1"/>
-            </a:ext>
           </a:extLst>
         </p:spPr>
         <p:txBody>
@@ -2438,6 +2498,11 @@
         </p:txBody>
       </p:sp>
     </p:spTree>
+    <p:extLst>
+      <p:ext uri="{BB962C8B-B14F-4D97-AF65-F5344CB8AC3E}">
+        <p14:creationId xmlns:p14="http://schemas.microsoft.com/office/powerpoint/2010/main" val="1359620718"/>
+      </p:ext>
+    </p:extLst>
   </p:cSld>
   <p:clrMapOvr>
     <a:masterClrMapping/>
@@ -2490,15 +2555,18 @@
           <a:noFill/>
           <a:ln/>
           <a:extLst>
+            <a:ext uri="{FAA26D3D-D897-4be2-8F04-BA451C77F1D7}">
+              <ma14:placeholderFlag xmlns:ma14="http://schemas.microsoft.com/office/mac/drawingml/2011/main" val="1"/>
+            </a:ext>
             <a:ext uri="{909E8E84-426E-40dd-AFC4-6F175D3DCCD1}">
-              <a14:hiddenFill xmlns:a14="http://schemas.microsoft.com/office/drawing/2010/main" xmlns="">
+              <a14:hiddenFill xmlns="" xmlns:a14="http://schemas.microsoft.com/office/drawing/2010/main">
                 <a:solidFill>
                   <a:srgbClr val="FFFFFF"/>
                 </a:solidFill>
               </a14:hiddenFill>
             </a:ext>
             <a:ext uri="{91240B29-F687-4f45-9708-019B960494DF}">
-              <a14:hiddenLine xmlns:a14="http://schemas.microsoft.com/office/drawing/2010/main" xmlns="" w="9525">
+              <a14:hiddenLine xmlns="" xmlns:a14="http://schemas.microsoft.com/office/drawing/2010/main" w="9525">
                 <a:solidFill>
                   <a:srgbClr val="000000"/>
                 </a:solidFill>
@@ -2507,9 +2575,6 @@
                 <a:tailEnd/>
               </a14:hiddenLine>
             </a:ext>
-            <a:ext uri="{FAA26D3D-D897-4be2-8F04-BA451C77F1D7}">
-              <ma14:placeholderFlag xmlns:ma14="http://schemas.microsoft.com/office/mac/drawingml/2011/main" xmlns="" val="1"/>
-            </a:ext>
           </a:extLst>
         </p:spPr>
         <p:txBody>
@@ -2523,6 +2588,11 @@
         </p:txBody>
       </p:sp>
     </p:spTree>
+    <p:extLst>
+      <p:ext uri="{BB962C8B-B14F-4D97-AF65-F5344CB8AC3E}">
+        <p14:creationId xmlns:p14="http://schemas.microsoft.com/office/powerpoint/2010/main" val="1919403346"/>
+      </p:ext>
+    </p:extLst>
   </p:cSld>
   <p:clrMapOvr>
     <a:masterClrMapping/>
@@ -2575,15 +2645,18 @@
           <a:noFill/>
           <a:ln/>
           <a:extLst>
+            <a:ext uri="{FAA26D3D-D897-4be2-8F04-BA451C77F1D7}">
+              <ma14:placeholderFlag xmlns:ma14="http://schemas.microsoft.com/office/mac/drawingml/2011/main" val="1"/>
+            </a:ext>
             <a:ext uri="{909E8E84-426E-40dd-AFC4-6F175D3DCCD1}">
-              <a14:hiddenFill xmlns:a14="http://schemas.microsoft.com/office/drawing/2010/main" xmlns="">
+              <a14:hiddenFill xmlns="" xmlns:a14="http://schemas.microsoft.com/office/drawing/2010/main">
                 <a:solidFill>
                   <a:srgbClr val="FFFFFF"/>
                 </a:solidFill>
               </a14:hiddenFill>
             </a:ext>
             <a:ext uri="{91240B29-F687-4f45-9708-019B960494DF}">
-              <a14:hiddenLine xmlns:a14="http://schemas.microsoft.com/office/drawing/2010/main" xmlns="" w="9525">
+              <a14:hiddenLine xmlns="" xmlns:a14="http://schemas.microsoft.com/office/drawing/2010/main" w="9525">
                 <a:solidFill>
                   <a:srgbClr val="000000"/>
                 </a:solidFill>
@@ -2592,9 +2665,6 @@
                 <a:tailEnd/>
               </a14:hiddenLine>
             </a:ext>
-            <a:ext uri="{FAA26D3D-D897-4be2-8F04-BA451C77F1D7}">
-              <ma14:placeholderFlag xmlns:ma14="http://schemas.microsoft.com/office/mac/drawingml/2011/main" xmlns="" val="1"/>
-            </a:ext>
           </a:extLst>
         </p:spPr>
         <p:txBody>
@@ -2608,6 +2678,11 @@
         </p:txBody>
       </p:sp>
     </p:spTree>
+    <p:extLst>
+      <p:ext uri="{BB962C8B-B14F-4D97-AF65-F5344CB8AC3E}">
+        <p14:creationId xmlns:p14="http://schemas.microsoft.com/office/powerpoint/2010/main" val="2060174635"/>
+      </p:ext>
+    </p:extLst>
   </p:cSld>
   <p:clrMapOvr>
     <a:masterClrMapping/>
@@ -2660,15 +2735,18 @@
           <a:noFill/>
           <a:ln/>
           <a:extLst>
+            <a:ext uri="{FAA26D3D-D897-4be2-8F04-BA451C77F1D7}">
+              <ma14:placeholderFlag xmlns:ma14="http://schemas.microsoft.com/office/mac/drawingml/2011/main" val="1"/>
+            </a:ext>
             <a:ext uri="{909E8E84-426E-40dd-AFC4-6F175D3DCCD1}">
-              <a14:hiddenFill xmlns:a14="http://schemas.microsoft.com/office/drawing/2010/main" xmlns="">
+              <a14:hiddenFill xmlns="" xmlns:a14="http://schemas.microsoft.com/office/drawing/2010/main">
                 <a:solidFill>
                   <a:srgbClr val="FFFFFF"/>
                 </a:solidFill>
               </a14:hiddenFill>
             </a:ext>
             <a:ext uri="{91240B29-F687-4f45-9708-019B960494DF}">
-              <a14:hiddenLine xmlns:a14="http://schemas.microsoft.com/office/drawing/2010/main" xmlns="" w="9525">
+              <a14:hiddenLine xmlns="" xmlns:a14="http://schemas.microsoft.com/office/drawing/2010/main" w="9525">
                 <a:solidFill>
                   <a:srgbClr val="000000"/>
                 </a:solidFill>
@@ -2677,9 +2755,6 @@
                 <a:tailEnd/>
               </a14:hiddenLine>
             </a:ext>
-            <a:ext uri="{FAA26D3D-D897-4be2-8F04-BA451C77F1D7}">
-              <ma14:placeholderFlag xmlns:ma14="http://schemas.microsoft.com/office/mac/drawingml/2011/main" xmlns="" val="1"/>
-            </a:ext>
           </a:extLst>
         </p:spPr>
         <p:txBody>
@@ -2693,6 +2768,11 @@
         </p:txBody>
       </p:sp>
     </p:spTree>
+    <p:extLst>
+      <p:ext uri="{BB962C8B-B14F-4D97-AF65-F5344CB8AC3E}">
+        <p14:creationId xmlns:p14="http://schemas.microsoft.com/office/powerpoint/2010/main" val="1476249864"/>
+      </p:ext>
+    </p:extLst>
   </p:cSld>
   <p:clrMapOvr>
     <a:masterClrMapping/>
@@ -2745,15 +2825,18 @@
           <a:noFill/>
           <a:ln/>
           <a:extLst>
+            <a:ext uri="{FAA26D3D-D897-4be2-8F04-BA451C77F1D7}">
+              <ma14:placeholderFlag xmlns:ma14="http://schemas.microsoft.com/office/mac/drawingml/2011/main" val="1"/>
+            </a:ext>
             <a:ext uri="{909E8E84-426E-40dd-AFC4-6F175D3DCCD1}">
-              <a14:hiddenFill xmlns:a14="http://schemas.microsoft.com/office/drawing/2010/main" xmlns="">
+              <a14:hiddenFill xmlns="" xmlns:a14="http://schemas.microsoft.com/office/drawing/2010/main">
                 <a:solidFill>
                   <a:srgbClr val="FFFFFF"/>
                 </a:solidFill>
               </a14:hiddenFill>
             </a:ext>
             <a:ext uri="{91240B29-F687-4f45-9708-019B960494DF}">
-              <a14:hiddenLine xmlns:a14="http://schemas.microsoft.com/office/drawing/2010/main" xmlns="" w="9525">
+              <a14:hiddenLine xmlns="" xmlns:a14="http://schemas.microsoft.com/office/drawing/2010/main" w="9525">
                 <a:solidFill>
                   <a:srgbClr val="000000"/>
                 </a:solidFill>
@@ -2762,9 +2845,6 @@
                 <a:tailEnd/>
               </a14:hiddenLine>
             </a:ext>
-            <a:ext uri="{FAA26D3D-D897-4be2-8F04-BA451C77F1D7}">
-              <ma14:placeholderFlag xmlns:ma14="http://schemas.microsoft.com/office/mac/drawingml/2011/main" xmlns="" val="1"/>
-            </a:ext>
           </a:extLst>
         </p:spPr>
         <p:txBody>
@@ -2778,6 +2858,11 @@
         </p:txBody>
       </p:sp>
     </p:spTree>
+    <p:extLst>
+      <p:ext uri="{BB962C8B-B14F-4D97-AF65-F5344CB8AC3E}">
+        <p14:creationId xmlns:p14="http://schemas.microsoft.com/office/powerpoint/2010/main" val="1452890457"/>
+      </p:ext>
+    </p:extLst>
   </p:cSld>
   <p:clrMapOvr>
     <a:masterClrMapping/>
@@ -2867,7 +2952,7 @@
           </a:ln>
           <a:extLst>
             <a:ext uri="{909E8E84-426E-40dd-AFC4-6F175D3DCCD1}">
-              <a14:hiddenFill xmlns:a14="http://schemas.microsoft.com/office/drawing/2010/main" xmlns="">
+              <a14:hiddenFill xmlns="" xmlns:a14="http://schemas.microsoft.com/office/drawing/2010/main">
                 <a:solidFill>
                   <a:srgbClr val="FFFFFF"/>
                 </a:solidFill>
@@ -2910,7 +2995,7 @@
           </a:ln>
           <a:extLst>
             <a:ext uri="{909E8E84-426E-40dd-AFC4-6F175D3DCCD1}">
-              <a14:hiddenFill xmlns:a14="http://schemas.microsoft.com/office/drawing/2010/main" xmlns="">
+              <a14:hiddenFill xmlns="" xmlns:a14="http://schemas.microsoft.com/office/drawing/2010/main">
                 <a:noFill/>
               </a14:hiddenFill>
             </a:ext>
@@ -3009,7 +3094,7 @@
           <a:p>
             <a:fld id="{44FE079E-3107-43E8-8CC4-0A2A57E63663}" type="datetime1">
               <a:rPr lang="en-US" smtClean="0"/>
-              <a:t>2/1/2019</a:t>
+              <a:t>2/4/19</a:t>
             </a:fld>
             <a:endParaRPr lang="en-US"/>
           </a:p>
@@ -3203,7 +3288,7 @@
           <a:p>
             <a:fld id="{FFA18F9C-B109-4EB1-AF61-BBD3E0C75524}" type="datetime1">
               <a:rPr lang="en-US" smtClean="0"/>
-              <a:t>2/1/2019</a:t>
+              <a:t>2/4/19</a:t>
             </a:fld>
             <a:endParaRPr lang="en-US"/>
           </a:p>
@@ -3406,7 +3491,7 @@
           <a:p>
             <a:fld id="{00F2A51E-5DE1-48A0-B11B-56DCF5B2524A}" type="datetime1">
               <a:rPr lang="en-US" smtClean="0"/>
-              <a:t>2/1/2019</a:t>
+              <a:t>2/4/19</a:t>
             </a:fld>
             <a:endParaRPr lang="en-US"/>
           </a:p>
@@ -3665,7 +3750,7 @@
           <a:p>
             <a:fld id="{F2820892-CE9C-4352-A2BF-D51242F6E854}" type="datetime1">
               <a:rPr lang="en-US" smtClean="0"/>
-              <a:t>2/1/2019</a:t>
+              <a:t>2/4/19</a:t>
             </a:fld>
             <a:endParaRPr lang="en-US"/>
           </a:p>
@@ -3924,7 +4009,7 @@
           <a:p>
             <a:fld id="{845C0FD5-FED4-4F07-999E-94C2EE552DE6}" type="datetime1">
               <a:rPr lang="en-US" smtClean="0"/>
-              <a:t>2/1/2019</a:t>
+              <a:t>2/4/19</a:t>
             </a:fld>
             <a:endParaRPr lang="en-US"/>
           </a:p>
@@ -4117,7 +4202,7 @@
           <a:p>
             <a:fld id="{0A01DCA2-4465-48DF-ABDF-540230158B4D}" type="datetime1">
               <a:rPr lang="en-US" smtClean="0"/>
-              <a:t>2/1/2019</a:t>
+              <a:t>2/4/19</a:t>
             </a:fld>
             <a:endParaRPr lang="en-US"/>
           </a:p>
@@ -4333,7 +4418,7 @@
           <a:p>
             <a:fld id="{B6BAD5FE-B68A-4266-A3A1-A9260603C07D}" type="datetime1">
               <a:rPr lang="en-US" smtClean="0"/>
-              <a:t>2/1/2019</a:t>
+              <a:t>2/4/19</a:t>
             </a:fld>
             <a:endParaRPr lang="en-US"/>
           </a:p>
@@ -4643,7 +4728,7 @@
           <a:p>
             <a:fld id="{D05CE40D-93C0-4D4C-87F5-3275A18335EE}" type="datetime1">
               <a:rPr lang="en-US" smtClean="0"/>
-              <a:t>2/1/2019</a:t>
+              <a:t>2/4/19</a:t>
             </a:fld>
             <a:endParaRPr lang="en-US"/>
           </a:p>
@@ -5092,7 +5177,7 @@
           <a:p>
             <a:fld id="{7C9E1AC5-9BF0-429C-BD47-C3FA6AF05837}" type="datetime1">
               <a:rPr lang="en-US" smtClean="0"/>
-              <a:t>2/1/2019</a:t>
+              <a:t>2/4/19</a:t>
             </a:fld>
             <a:endParaRPr lang="en-US"/>
           </a:p>
@@ -5234,7 +5319,7 @@
           <a:p>
             <a:fld id="{BD93F9C4-0269-48E1-A685-53C49F0205A8}" type="datetime1">
               <a:rPr lang="en-US" smtClean="0"/>
-              <a:t>2/1/2019</a:t>
+              <a:t>2/4/19</a:t>
             </a:fld>
             <a:endParaRPr lang="en-US"/>
           </a:p>
@@ -5354,7 +5439,7 @@
           <a:p>
             <a:fld id="{44E01A39-F0B7-4A13-9119-5E01ACA8780A}" type="datetime1">
               <a:rPr lang="en-US" smtClean="0"/>
-              <a:t>2/1/2019</a:t>
+              <a:t>2/4/19</a:t>
             </a:fld>
             <a:endParaRPr lang="en-US"/>
           </a:p>
@@ -5654,7 +5739,7 @@
           <a:p>
             <a:fld id="{F2A8AC6E-2378-4244-BCAD-9459AEAF62DC}" type="datetime1">
               <a:rPr lang="en-US" smtClean="0"/>
-              <a:t>2/1/2019</a:t>
+              <a:t>2/4/19</a:t>
             </a:fld>
             <a:endParaRPr lang="en-US"/>
           </a:p>
@@ -5932,7 +6017,7 @@
           <a:p>
             <a:fld id="{69B81678-21FC-484D-85E5-1BE2F3C39895}" type="datetime1">
               <a:rPr lang="en-US" smtClean="0"/>
-              <a:t>2/1/2019</a:t>
+              <a:t>2/4/19</a:t>
             </a:fld>
             <a:endParaRPr lang="en-US"/>
           </a:p>
@@ -6060,15 +6145,18 @@
             <a:noFill/>
           </a:ln>
           <a:extLst>
+            <a:ext uri="{FAA26D3D-D897-4be2-8F04-BA451C77F1D7}">
+              <ma14:placeholderFlag xmlns:ma14="http://schemas.microsoft.com/office/mac/drawingml/2011/main" val="1"/>
+            </a:ext>
             <a:ext uri="{909E8E84-426E-40dd-AFC4-6F175D3DCCD1}">
-              <a14:hiddenFill xmlns:a14="http://schemas.microsoft.com/office/drawing/2010/main" xmlns="">
+              <a14:hiddenFill xmlns="" xmlns:a14="http://schemas.microsoft.com/office/drawing/2010/main">
                 <a:solidFill>
                   <a:srgbClr val="FFFFFF"/>
                 </a:solidFill>
               </a14:hiddenFill>
             </a:ext>
             <a:ext uri="{91240B29-F687-4f45-9708-019B960494DF}">
-              <a14:hiddenLine xmlns:a14="http://schemas.microsoft.com/office/drawing/2010/main" xmlns="" w="9525">
+              <a14:hiddenLine xmlns="" xmlns:a14="http://schemas.microsoft.com/office/drawing/2010/main" w="9525">
                 <a:solidFill>
                   <a:srgbClr val="000000"/>
                 </a:solidFill>
@@ -6076,9 +6164,6 @@
                 <a:headEnd/>
                 <a:tailEnd/>
               </a14:hiddenLine>
-            </a:ext>
-            <a:ext uri="{FAA26D3D-D897-4be2-8F04-BA451C77F1D7}">
-              <ma14:placeholderFlag xmlns:ma14="http://schemas.microsoft.com/office/mac/drawingml/2011/main" xmlns="" val="1"/>
             </a:ext>
           </a:extLst>
         </p:spPr>
@@ -6121,15 +6206,18 @@
             <a:noFill/>
           </a:ln>
           <a:extLst>
+            <a:ext uri="{FAA26D3D-D897-4be2-8F04-BA451C77F1D7}">
+              <ma14:placeholderFlag xmlns:ma14="http://schemas.microsoft.com/office/mac/drawingml/2011/main" val="1"/>
+            </a:ext>
             <a:ext uri="{909E8E84-426E-40dd-AFC4-6F175D3DCCD1}">
-              <a14:hiddenFill xmlns:a14="http://schemas.microsoft.com/office/drawing/2010/main" xmlns="">
+              <a14:hiddenFill xmlns="" xmlns:a14="http://schemas.microsoft.com/office/drawing/2010/main">
                 <a:solidFill>
                   <a:srgbClr val="FFFFFF"/>
                 </a:solidFill>
               </a14:hiddenFill>
             </a:ext>
             <a:ext uri="{91240B29-F687-4f45-9708-019B960494DF}">
-              <a14:hiddenLine xmlns:a14="http://schemas.microsoft.com/office/drawing/2010/main" xmlns="" w="9525">
+              <a14:hiddenLine xmlns="" xmlns:a14="http://schemas.microsoft.com/office/drawing/2010/main" w="9525">
                 <a:solidFill>
                   <a:srgbClr val="000000"/>
                 </a:solidFill>
@@ -6137,9 +6225,6 @@
                 <a:headEnd/>
                 <a:tailEnd/>
               </a14:hiddenLine>
-            </a:ext>
-            <a:ext uri="{FAA26D3D-D897-4be2-8F04-BA451C77F1D7}">
-              <ma14:placeholderFlag xmlns:ma14="http://schemas.microsoft.com/office/mac/drawingml/2011/main" xmlns="" val="1"/>
             </a:ext>
           </a:extLst>
         </p:spPr>
@@ -6230,7 +6315,7 @@
           <a:p>
             <a:fld id="{21EE5861-186B-4CB1-A023-27417EC3ECA0}" type="datetime1">
               <a:rPr lang="en-US" smtClean="0"/>
-              <a:t>2/1/2019</a:t>
+              <a:t>2/4/19</a:t>
             </a:fld>
             <a:endParaRPr lang="en-US"/>
           </a:p>
@@ -6404,7 +6489,7 @@
           </a:ln>
           <a:extLst>
             <a:ext uri="{909E8E84-426E-40dd-AFC4-6F175D3DCCD1}">
-              <a14:hiddenFill xmlns:a14="http://schemas.microsoft.com/office/drawing/2010/main" xmlns="">
+              <a14:hiddenFill xmlns="" xmlns:a14="http://schemas.microsoft.com/office/drawing/2010/main">
                 <a:solidFill>
                   <a:srgbClr val="FFFFFF"/>
                 </a:solidFill>
@@ -6447,7 +6532,7 @@
           </a:ln>
           <a:extLst>
             <a:ext uri="{909E8E84-426E-40dd-AFC4-6F175D3DCCD1}">
-              <a14:hiddenFill xmlns:a14="http://schemas.microsoft.com/office/drawing/2010/main" xmlns="">
+              <a14:hiddenFill xmlns="" xmlns:a14="http://schemas.microsoft.com/office/drawing/2010/main">
                 <a:noFill/>
               </a14:hiddenFill>
             </a:ext>
@@ -7247,7 +7332,7 @@
           <a:p>
             <a:fld id="{22613C10-31F1-4FA4-A27D-A76B7DDC9FCF}" type="datetime1">
               <a:rPr lang="en-US" smtClean="0"/>
-              <a:t>2/1/2019</a:t>
+              <a:t>2/4/19</a:t>
             </a:fld>
             <a:endParaRPr lang="en-US"/>
           </a:p>
@@ -7522,7 +7607,7 @@
           <a:p>
             <a:fld id="{90371E86-A82F-442A-B88B-9A7F607938AC}" type="datetime1">
               <a:rPr lang="en-US" smtClean="0"/>
-              <a:t>2/1/2019</a:t>
+              <a:t>2/4/19</a:t>
             </a:fld>
             <a:endParaRPr lang="en-US"/>
           </a:p>
@@ -7769,7 +7854,7 @@
           <a:p>
             <a:fld id="{B050CE71-3E3A-49F7-A46E-6FFC7B3D4A92}" type="datetime1">
               <a:rPr lang="en-US" smtClean="0"/>
-              <a:t>2/1/2019</a:t>
+              <a:t>2/4/19</a:t>
             </a:fld>
             <a:endParaRPr lang="en-US"/>
           </a:p>
@@ -7978,7 +8063,7 @@
           <a:p>
             <a:fld id="{61610EC3-4C97-4685-B66D-5041D38CC5E3}" type="datetime1">
               <a:rPr lang="en-US" smtClean="0"/>
-              <a:t>2/1/2019</a:t>
+              <a:t>2/4/19</a:t>
             </a:fld>
             <a:endParaRPr lang="en-US"/>
           </a:p>
@@ -8250,7 +8335,7 @@
           <a:p>
             <a:fld id="{269F1CF3-FADD-4A8E-8505-6D3A45F7072F}" type="datetime1">
               <a:rPr lang="en-US" smtClean="0"/>
-              <a:t>2/1/2019</a:t>
+              <a:t>2/4/19</a:t>
             </a:fld>
             <a:endParaRPr lang="en-US"/>
           </a:p>
@@ -8605,7 +8690,7 @@
           <a:p>
             <a:fld id="{B144D8C8-8F6C-4698-A1ED-A41CE42F07CA}" type="datetime1">
               <a:rPr lang="en-US" smtClean="0"/>
-              <a:t>2/1/2019</a:t>
+              <a:t>2/4/19</a:t>
             </a:fld>
             <a:endParaRPr lang="en-US"/>
           </a:p>
@@ -8838,7 +8923,7 @@
           <a:p>
             <a:fld id="{12C5987A-47E0-495F-AA60-B906B0907F6B}" type="datetime1">
               <a:rPr lang="en-US" smtClean="0"/>
-              <a:t>2/1/2019</a:t>
+              <a:t>2/4/19</a:t>
             </a:fld>
             <a:endParaRPr lang="en-US"/>
           </a:p>
@@ -9058,7 +9143,7 @@
           <a:p>
             <a:fld id="{A530A3C4-AFBD-40EC-86EB-748FFE542BEA}" type="datetime1">
               <a:rPr lang="en-US" smtClean="0"/>
-              <a:t>2/1/2019</a:t>
+              <a:t>2/4/19</a:t>
             </a:fld>
             <a:endParaRPr lang="en-US"/>
           </a:p>
@@ -9467,7 +9552,7 @@
           <a:p>
             <a:fld id="{90825744-8BEC-4DC1-8861-C8DC8A3227F6}" type="datetime1">
               <a:rPr lang="en-US" smtClean="0"/>
-              <a:t>2/1/2019</a:t>
+              <a:t>2/4/19</a:t>
             </a:fld>
             <a:endParaRPr lang="en-US"/>
           </a:p>
@@ -9736,7 +9821,7 @@
           <a:p>
             <a:fld id="{8076C321-183C-40E0-A6A1-47765BD96560}" type="datetime1">
               <a:rPr lang="en-US" smtClean="0"/>
-              <a:t>2/1/2019</a:t>
+              <a:t>2/4/19</a:t>
             </a:fld>
             <a:endParaRPr lang="en-US"/>
           </a:p>
@@ -10078,7 +10163,7 @@
               <a:rPr lang="en-US" smtClean="0">
                 <a:latin typeface="Garamond"/>
               </a:rPr>
-              <a:t>2/1/2019</a:t>
+              <a:t>2/4/19</a:t>
             </a:fld>
             <a:endParaRPr lang="en-US" dirty="0">
               <a:latin typeface="Garamond"/>
@@ -10420,7 +10505,7 @@
           <a:p>
             <a:fld id="{C6CB1372-F8A2-4148-84C8-6B10FFED7543}" type="datetime1">
               <a:rPr lang="en-US" smtClean="0"/>
-              <a:t>2/1/2019</a:t>
+              <a:t>2/4/19</a:t>
             </a:fld>
             <a:endParaRPr lang="en-US"/>
           </a:p>
@@ -10697,7 +10782,7 @@
           <a:p>
             <a:fld id="{D6983C71-37DC-417D-865C-12EF6D5B3FF4}" type="datetime1">
               <a:rPr lang="en-US" smtClean="0"/>
-              <a:t>2/1/2019</a:t>
+              <a:t>2/4/19</a:t>
             </a:fld>
             <a:endParaRPr lang="en-US"/>
           </a:p>
@@ -11041,7 +11126,7 @@
           <a:p>
             <a:fld id="{8767B71D-91B7-4D10-90DA-44C60369C535}" type="datetime1">
               <a:rPr lang="en-US" smtClean="0"/>
-              <a:t>2/1/2019</a:t>
+              <a:t>2/4/19</a:t>
             </a:fld>
             <a:endParaRPr lang="en-US"/>
           </a:p>
@@ -11291,7 +11376,7 @@
           <a:p>
             <a:fld id="{59595A0A-D943-4BBC-A415-717643BFCCE7}" type="datetime1">
               <a:rPr lang="en-US" smtClean="0"/>
-              <a:t>2/1/2019</a:t>
+              <a:t>2/4/19</a:t>
             </a:fld>
             <a:endParaRPr lang="en-US"/>
           </a:p>
@@ -11629,7 +11714,7 @@
           <a:p>
             <a:fld id="{7D76E2DA-2F10-47CC-973B-E4E85EF89F58}" type="datetime1">
               <a:rPr lang="en-US" smtClean="0"/>
-              <a:t>2/1/2019</a:t>
+              <a:t>2/4/19</a:t>
             </a:fld>
             <a:endParaRPr lang="en-US"/>
           </a:p>
@@ -11920,7 +12005,7 @@
           <a:p>
             <a:fld id="{2F6B4741-52A7-4CDA-9788-5C656FF78E75}" type="datetime1">
               <a:rPr lang="en-US" smtClean="0"/>
-              <a:t>2/1/2019</a:t>
+              <a:t>2/4/19</a:t>
             </a:fld>
             <a:endParaRPr lang="en-US"/>
           </a:p>
@@ -12236,7 +12321,7 @@
           <a:p>
             <a:fld id="{C4E2B037-0DCA-4B80-9CA7-772FBCC480FC}" type="datetime1">
               <a:rPr lang="en-US" smtClean="0"/>
-              <a:t>2/1/2019</a:t>
+              <a:t>2/4/19</a:t>
             </a:fld>
             <a:endParaRPr lang="en-US"/>
           </a:p>
@@ -12326,7 +12411,7 @@
           <p:cNvPr id="2" name="Title 1">
             <a:extLst>
               <a:ext uri="{FF2B5EF4-FFF2-40B4-BE49-F238E27FC236}">
-                <a16:creationId xmlns:a16="http://schemas.microsoft.com/office/drawing/2014/main" id="{E948EB1B-C42A-4E14-95DB-4AA4CAFEFC60}"/>
+                <a16:creationId xmlns:a16="http://schemas.microsoft.com/office/drawing/2014/main" xmlns="" id="{E948EB1B-C42A-4E14-95DB-4AA4CAFEFC60}"/>
               </a:ext>
             </a:extLst>
           </p:cNvPr>
@@ -12354,7 +12439,7 @@
           <p:cNvPr id="3" name="Content Placeholder 2">
             <a:extLst>
               <a:ext uri="{FF2B5EF4-FFF2-40B4-BE49-F238E27FC236}">
-                <a16:creationId xmlns:a16="http://schemas.microsoft.com/office/drawing/2014/main" id="{3F7E3280-D880-482F-8227-37526E60C22D}"/>
+                <a16:creationId xmlns:a16="http://schemas.microsoft.com/office/drawing/2014/main" xmlns="" id="{3F7E3280-D880-482F-8227-37526E60C22D}"/>
               </a:ext>
             </a:extLst>
           </p:cNvPr>
@@ -12469,7 +12554,7 @@
           <p:cNvPr id="4" name="Date Placeholder 3">
             <a:extLst>
               <a:ext uri="{FF2B5EF4-FFF2-40B4-BE49-F238E27FC236}">
-                <a16:creationId xmlns:a16="http://schemas.microsoft.com/office/drawing/2014/main" id="{F5E3A3C1-D5AC-4B35-B041-75029104CB56}"/>
+                <a16:creationId xmlns:a16="http://schemas.microsoft.com/office/drawing/2014/main" xmlns="" id="{F5E3A3C1-D5AC-4B35-B041-75029104CB56}"/>
               </a:ext>
             </a:extLst>
           </p:cNvPr>
@@ -12487,7 +12572,7 @@
           <a:p>
             <a:fld id="{2F353570-ADB6-4E05-8D5E-568AA9BD67F3}" type="datetime1">
               <a:rPr lang="en-US" smtClean="0"/>
-              <a:t>2/1/2019</a:t>
+              <a:t>2/4/19</a:t>
             </a:fld>
             <a:endParaRPr lang="en-US"/>
           </a:p>
@@ -12498,7 +12583,7 @@
           <p:cNvPr id="5" name="Footer Placeholder 4">
             <a:extLst>
               <a:ext uri="{FF2B5EF4-FFF2-40B4-BE49-F238E27FC236}">
-                <a16:creationId xmlns:a16="http://schemas.microsoft.com/office/drawing/2014/main" id="{F97DAA7D-B448-41D9-8413-36F450D0DBB7}"/>
+                <a16:creationId xmlns:a16="http://schemas.microsoft.com/office/drawing/2014/main" xmlns="" id="{F97DAA7D-B448-41D9-8413-36F450D0DBB7}"/>
               </a:ext>
             </a:extLst>
           </p:cNvPr>
@@ -12529,7 +12614,7 @@
           <p:cNvPr id="6" name="Slide Number Placeholder 5">
             <a:extLst>
               <a:ext uri="{FF2B5EF4-FFF2-40B4-BE49-F238E27FC236}">
-                <a16:creationId xmlns:a16="http://schemas.microsoft.com/office/drawing/2014/main" id="{60BDF692-8E01-4FD0-8F6E-BBC8EC5B8893}"/>
+                <a16:creationId xmlns:a16="http://schemas.microsoft.com/office/drawing/2014/main" xmlns="" id="{60BDF692-8E01-4FD0-8F6E-BBC8EC5B8893}"/>
               </a:ext>
             </a:extLst>
           </p:cNvPr>
@@ -13182,7 +13267,7 @@
           <a:p>
             <a:fld id="{B68F5338-2D26-44D3-9009-54BBC6B06658}" type="datetime1">
               <a:rPr lang="en-US" smtClean="0"/>
-              <a:t>2/1/2019</a:t>
+              <a:t>2/4/19</a:t>
             </a:fld>
             <a:endParaRPr lang="en-US"/>
           </a:p>
@@ -13273,7 +13358,7 @@
           <p:cNvPr id="2" name="Title 1">
             <a:extLst>
               <a:ext uri="{FF2B5EF4-FFF2-40B4-BE49-F238E27FC236}">
-                <a16:creationId xmlns:a16="http://schemas.microsoft.com/office/drawing/2014/main" id="{8176C46C-CA2B-430F-91BF-9A5632096276}"/>
+                <a16:creationId xmlns:a16="http://schemas.microsoft.com/office/drawing/2014/main" xmlns="" id="{8176C46C-CA2B-430F-91BF-9A5632096276}"/>
               </a:ext>
             </a:extLst>
           </p:cNvPr>
@@ -13301,7 +13386,7 @@
           <p:cNvPr id="3" name="Content Placeholder 2">
             <a:extLst>
               <a:ext uri="{FF2B5EF4-FFF2-40B4-BE49-F238E27FC236}">
-                <a16:creationId xmlns:a16="http://schemas.microsoft.com/office/drawing/2014/main" id="{A61AEF2F-5C21-4EC7-B600-FBE13F3952AA}"/>
+                <a16:creationId xmlns:a16="http://schemas.microsoft.com/office/drawing/2014/main" xmlns="" id="{A61AEF2F-5C21-4EC7-B600-FBE13F3952AA}"/>
               </a:ext>
             </a:extLst>
           </p:cNvPr>
@@ -13380,7 +13465,7 @@
           <p:cNvPr id="4" name="Date Placeholder 3">
             <a:extLst>
               <a:ext uri="{FF2B5EF4-FFF2-40B4-BE49-F238E27FC236}">
-                <a16:creationId xmlns:a16="http://schemas.microsoft.com/office/drawing/2014/main" id="{6D97016B-7501-4F0B-A263-AB22DA00A964}"/>
+                <a16:creationId xmlns:a16="http://schemas.microsoft.com/office/drawing/2014/main" xmlns="" id="{6D97016B-7501-4F0B-A263-AB22DA00A964}"/>
               </a:ext>
             </a:extLst>
           </p:cNvPr>
@@ -13398,7 +13483,7 @@
           <a:p>
             <a:fld id="{D8C63548-880B-4797-90BF-204FE5FAA082}" type="datetime1">
               <a:rPr lang="en-US" smtClean="0"/>
-              <a:t>2/1/2019</a:t>
+              <a:t>2/4/19</a:t>
             </a:fld>
             <a:endParaRPr lang="en-US"/>
           </a:p>
@@ -13409,7 +13494,7 @@
           <p:cNvPr id="5" name="Footer Placeholder 4">
             <a:extLst>
               <a:ext uri="{FF2B5EF4-FFF2-40B4-BE49-F238E27FC236}">
-                <a16:creationId xmlns:a16="http://schemas.microsoft.com/office/drawing/2014/main" id="{4ED59A9E-6274-4B32-A48B-0559DC206FC3}"/>
+                <a16:creationId xmlns:a16="http://schemas.microsoft.com/office/drawing/2014/main" xmlns="" id="{4ED59A9E-6274-4B32-A48B-0559DC206FC3}"/>
               </a:ext>
             </a:extLst>
           </p:cNvPr>
@@ -13440,7 +13525,7 @@
           <p:cNvPr id="6" name="Slide Number Placeholder 5">
             <a:extLst>
               <a:ext uri="{FF2B5EF4-FFF2-40B4-BE49-F238E27FC236}">
-                <a16:creationId xmlns:a16="http://schemas.microsoft.com/office/drawing/2014/main" id="{6A55CDA0-2E02-4638-AA39-FBA81465E175}"/>
+                <a16:creationId xmlns:a16="http://schemas.microsoft.com/office/drawing/2014/main" xmlns="" id="{6A55CDA0-2E02-4638-AA39-FBA81465E175}"/>
               </a:ext>
             </a:extLst>
           </p:cNvPr>
@@ -13500,7 +13585,7 @@
           <p:cNvPr id="2" name="Title 1">
             <a:extLst>
               <a:ext uri="{FF2B5EF4-FFF2-40B4-BE49-F238E27FC236}">
-                <a16:creationId xmlns:a16="http://schemas.microsoft.com/office/drawing/2014/main" id="{27149B72-9C59-477E-B13B-0E1878EDD59C}"/>
+                <a16:creationId xmlns:a16="http://schemas.microsoft.com/office/drawing/2014/main" xmlns="" id="{27149B72-9C59-477E-B13B-0E1878EDD59C}"/>
               </a:ext>
             </a:extLst>
           </p:cNvPr>
@@ -13528,7 +13613,7 @@
           <p:cNvPr id="3" name="Content Placeholder 2">
             <a:extLst>
               <a:ext uri="{FF2B5EF4-FFF2-40B4-BE49-F238E27FC236}">
-                <a16:creationId xmlns:a16="http://schemas.microsoft.com/office/drawing/2014/main" id="{B9639DE5-C9CE-47EF-BBDD-650904B9E0EB}"/>
+                <a16:creationId xmlns:a16="http://schemas.microsoft.com/office/drawing/2014/main" xmlns="" id="{B9639DE5-C9CE-47EF-BBDD-650904B9E0EB}"/>
               </a:ext>
             </a:extLst>
           </p:cNvPr>
@@ -13578,8 +13663,36 @@
               <a:t>For example, </a:t>
             </a:r>
             <a:r>
-              <a:rPr lang="en-US" dirty="0" err="1"/>
-              <a:t>MGeiger</a:t>
+              <a:rPr lang="en-US" dirty="0" err="1" smtClean="0">
+                <a:solidFill>
+                  <a:srgbClr val="FF0000"/>
+                </a:solidFill>
+              </a:rPr>
+              <a:t>mg</a:t>
+            </a:r>
+            <a:r>
+              <a:rPr lang="en-US" dirty="0" err="1" smtClean="0"/>
+              <a:t>eiger</a:t>
+            </a:r>
+            <a:r>
+              <a:rPr lang="en-US" smtClean="0"/>
+              <a:t> </a:t>
+            </a:r>
+            <a:r>
+              <a:rPr lang="en-US" smtClean="0">
+                <a:solidFill>
+                  <a:srgbClr val="FF0000"/>
+                </a:solidFill>
+              </a:rPr>
+              <a:t>(</a:t>
+            </a:r>
+            <a:r>
+              <a:rPr lang="en-US" u="sng" smtClean="0">
+                <a:solidFill>
+                  <a:srgbClr val="FF0000"/>
+                </a:solidFill>
+              </a:rPr>
+              <a:t>all lowercase—correction)</a:t>
             </a:r>
             <a:endParaRPr lang="en-US" dirty="0"/>
           </a:p>
@@ -13661,7 +13774,7 @@
           <p:cNvPr id="4" name="Date Placeholder 3">
             <a:extLst>
               <a:ext uri="{FF2B5EF4-FFF2-40B4-BE49-F238E27FC236}">
-                <a16:creationId xmlns:a16="http://schemas.microsoft.com/office/drawing/2014/main" id="{E7CAE2ED-F04D-4B4A-AD11-12215B61113C}"/>
+                <a16:creationId xmlns:a16="http://schemas.microsoft.com/office/drawing/2014/main" xmlns="" id="{E7CAE2ED-F04D-4B4A-AD11-12215B61113C}"/>
               </a:ext>
             </a:extLst>
           </p:cNvPr>
@@ -13679,7 +13792,7 @@
           <a:p>
             <a:fld id="{A5ED9455-E628-44F1-945B-9006C9ADA81D}" type="datetime1">
               <a:rPr lang="en-US" smtClean="0"/>
-              <a:t>2/1/2019</a:t>
+              <a:t>2/4/19</a:t>
             </a:fld>
             <a:endParaRPr lang="en-US"/>
           </a:p>
@@ -13690,7 +13803,7 @@
           <p:cNvPr id="5" name="Footer Placeholder 4">
             <a:extLst>
               <a:ext uri="{FF2B5EF4-FFF2-40B4-BE49-F238E27FC236}">
-                <a16:creationId xmlns:a16="http://schemas.microsoft.com/office/drawing/2014/main" id="{1EC815F9-EA65-4BA7-AFF4-BBAFC8EEC9B7}"/>
+                <a16:creationId xmlns:a16="http://schemas.microsoft.com/office/drawing/2014/main" xmlns="" id="{1EC815F9-EA65-4BA7-AFF4-BBAFC8EEC9B7}"/>
               </a:ext>
             </a:extLst>
           </p:cNvPr>
@@ -13721,7 +13834,7 @@
           <p:cNvPr id="6" name="Slide Number Placeholder 5">
             <a:extLst>
               <a:ext uri="{FF2B5EF4-FFF2-40B4-BE49-F238E27FC236}">
-                <a16:creationId xmlns:a16="http://schemas.microsoft.com/office/drawing/2014/main" id="{F5E32B36-56F1-4134-B822-E074C30111A3}"/>
+                <a16:creationId xmlns:a16="http://schemas.microsoft.com/office/drawing/2014/main" xmlns="" id="{F5E32B36-56F1-4134-B822-E074C30111A3}"/>
               </a:ext>
             </a:extLst>
           </p:cNvPr>
@@ -13781,7 +13894,7 @@
           <p:cNvPr id="2" name="Title 1">
             <a:extLst>
               <a:ext uri="{FF2B5EF4-FFF2-40B4-BE49-F238E27FC236}">
-                <a16:creationId xmlns:a16="http://schemas.microsoft.com/office/drawing/2014/main" id="{DA5451E4-62FF-4413-8E89-D20E4AFD78A5}"/>
+                <a16:creationId xmlns:a16="http://schemas.microsoft.com/office/drawing/2014/main" xmlns="" id="{DA5451E4-62FF-4413-8E89-D20E4AFD78A5}"/>
               </a:ext>
             </a:extLst>
           </p:cNvPr>
@@ -13809,7 +13922,7 @@
           <p:cNvPr id="3" name="Content Placeholder 2">
             <a:extLst>
               <a:ext uri="{FF2B5EF4-FFF2-40B4-BE49-F238E27FC236}">
-                <a16:creationId xmlns:a16="http://schemas.microsoft.com/office/drawing/2014/main" id="{0CCF1CA6-7D12-402E-803E-351A83D04A3B}"/>
+                <a16:creationId xmlns:a16="http://schemas.microsoft.com/office/drawing/2014/main" xmlns="" id="{0CCF1CA6-7D12-402E-803E-351A83D04A3B}"/>
               </a:ext>
             </a:extLst>
           </p:cNvPr>
@@ -13898,7 +14011,7 @@
           <p:cNvPr id="4" name="Date Placeholder 3">
             <a:extLst>
               <a:ext uri="{FF2B5EF4-FFF2-40B4-BE49-F238E27FC236}">
-                <a16:creationId xmlns:a16="http://schemas.microsoft.com/office/drawing/2014/main" id="{BA7D25A0-0CC1-4A47-B198-1D67EA56441B}"/>
+                <a16:creationId xmlns:a16="http://schemas.microsoft.com/office/drawing/2014/main" xmlns="" id="{BA7D25A0-0CC1-4A47-B198-1D67EA56441B}"/>
               </a:ext>
             </a:extLst>
           </p:cNvPr>
@@ -13916,7 +14029,7 @@
           <a:p>
             <a:fld id="{252C71FA-2776-4676-8F34-DB4DE5BD98A9}" type="datetime1">
               <a:rPr lang="en-US" smtClean="0"/>
-              <a:t>2/1/2019</a:t>
+              <a:t>2/4/19</a:t>
             </a:fld>
             <a:endParaRPr lang="en-US"/>
           </a:p>
@@ -13927,7 +14040,7 @@
           <p:cNvPr id="5" name="Footer Placeholder 4">
             <a:extLst>
               <a:ext uri="{FF2B5EF4-FFF2-40B4-BE49-F238E27FC236}">
-                <a16:creationId xmlns:a16="http://schemas.microsoft.com/office/drawing/2014/main" id="{2F2D15AD-7D67-4DB4-AB28-3115B0CA0288}"/>
+                <a16:creationId xmlns:a16="http://schemas.microsoft.com/office/drawing/2014/main" xmlns="" id="{2F2D15AD-7D67-4DB4-AB28-3115B0CA0288}"/>
               </a:ext>
             </a:extLst>
           </p:cNvPr>
@@ -13958,7 +14071,7 @@
           <p:cNvPr id="6" name="Slide Number Placeholder 5">
             <a:extLst>
               <a:ext uri="{FF2B5EF4-FFF2-40B4-BE49-F238E27FC236}">
-                <a16:creationId xmlns:a16="http://schemas.microsoft.com/office/drawing/2014/main" id="{68D9AB73-DF84-45AF-8895-C4652FC70222}"/>
+                <a16:creationId xmlns:a16="http://schemas.microsoft.com/office/drawing/2014/main" xmlns="" id="{68D9AB73-DF84-45AF-8895-C4652FC70222}"/>
               </a:ext>
             </a:extLst>
           </p:cNvPr>
@@ -14190,7 +14303,7 @@
           <a:p>
             <a:fld id="{14E5182A-8DC7-40B9-B9FA-8C434DA03D89}" type="datetime1">
               <a:rPr lang="en-US" smtClean="0"/>
-              <a:t>2/1/2019</a:t>
+              <a:t>2/4/19</a:t>
             </a:fld>
             <a:endParaRPr lang="en-US"/>
           </a:p>
@@ -14332,14 +14445,14 @@
           </a:ln>
           <a:extLst>
             <a:ext uri="{909E8E84-426E-40dd-AFC4-6F175D3DCCD1}">
-              <a14:hiddenFill xmlns:a14="http://schemas.microsoft.com/office/drawing/2010/main" xmlns="">
+              <a14:hiddenFill xmlns="" xmlns:a14="http://schemas.microsoft.com/office/drawing/2010/main">
                 <a:solidFill>
                   <a:srgbClr val="FFFFFF"/>
                 </a:solidFill>
               </a14:hiddenFill>
             </a:ext>
             <a:ext uri="{91240B29-F687-4f45-9708-019B960494DF}">
-              <a14:hiddenLine xmlns:a14="http://schemas.microsoft.com/office/drawing/2010/main" xmlns="" w="9525">
+              <a14:hiddenLine xmlns="" xmlns:a14="http://schemas.microsoft.com/office/drawing/2010/main" w="9525">
                 <a:solidFill>
                   <a:srgbClr val="000000"/>
                 </a:solidFill>
@@ -14373,14 +14486,14 @@
           </a:ln>
           <a:extLst>
             <a:ext uri="{909E8E84-426E-40dd-AFC4-6F175D3DCCD1}">
-              <a14:hiddenFill xmlns:a14="http://schemas.microsoft.com/office/drawing/2010/main" xmlns="">
+              <a14:hiddenFill xmlns="" xmlns:a14="http://schemas.microsoft.com/office/drawing/2010/main">
                 <a:solidFill>
                   <a:srgbClr val="FFFFFF"/>
                 </a:solidFill>
               </a14:hiddenFill>
             </a:ext>
             <a:ext uri="{91240B29-F687-4f45-9708-019B960494DF}">
-              <a14:hiddenLine xmlns:a14="http://schemas.microsoft.com/office/drawing/2010/main" xmlns="" w="9525">
+              <a14:hiddenLine xmlns="" xmlns:a14="http://schemas.microsoft.com/office/drawing/2010/main" w="9525">
                 <a:solidFill>
                   <a:srgbClr val="000000"/>
                 </a:solidFill>
@@ -14441,7 +14554,7 @@
           <a:p>
             <a:fld id="{81F61CCB-DA6A-490A-A6BD-A715145955B7}" type="datetime1">
               <a:rPr lang="en-US" smtClean="0"/>
-              <a:t>2/1/2019</a:t>
+              <a:t>2/4/19</a:t>
             </a:fld>
             <a:endParaRPr lang="en-US"/>
           </a:p>
